--- a/doc/maven_junit.pptx
+++ b/doc/maven_junit.pptx
@@ -202,7 +202,7 @@
           <a:p>
             <a:fld id="{3B902A5B-C536-ED4E-A73E-B8190446D7CC}" type="datetimeFigureOut">
               <a:rPr kumimoji="1" lang="zh-CN" altLang="en-US" smtClean="0"/>
-              <a:t>16/6/13</a:t>
+              <a:t>16/6/14</a:t>
             </a:fld>
             <a:endParaRPr kumimoji="1" lang="zh-CN" altLang="en-US"/>
           </a:p>
@@ -728,7 +728,7 @@
           <a:p>
             <a:fld id="{3A5FA47D-866B-C14A-A228-20DDFE9AAAFA}" type="datetimeFigureOut">
               <a:rPr kumimoji="1" lang="zh-CN" altLang="en-US" smtClean="0"/>
-              <a:t>16/6/13</a:t>
+              <a:t>16/6/14</a:t>
             </a:fld>
             <a:endParaRPr kumimoji="1" lang="zh-CN" altLang="en-US"/>
           </a:p>
@@ -898,7 +898,7 @@
           <a:p>
             <a:fld id="{3A5FA47D-866B-C14A-A228-20DDFE9AAAFA}" type="datetimeFigureOut">
               <a:rPr kumimoji="1" lang="zh-CN" altLang="en-US" smtClean="0"/>
-              <a:t>16/6/13</a:t>
+              <a:t>16/6/14</a:t>
             </a:fld>
             <a:endParaRPr kumimoji="1" lang="zh-CN" altLang="en-US"/>
           </a:p>
@@ -1078,7 +1078,7 @@
           <a:p>
             <a:fld id="{3A5FA47D-866B-C14A-A228-20DDFE9AAAFA}" type="datetimeFigureOut">
               <a:rPr kumimoji="1" lang="zh-CN" altLang="en-US" smtClean="0"/>
-              <a:t>16/6/13</a:t>
+              <a:t>16/6/14</a:t>
             </a:fld>
             <a:endParaRPr kumimoji="1" lang="zh-CN" altLang="en-US"/>
           </a:p>
@@ -1248,7 +1248,7 @@
           <a:p>
             <a:fld id="{3A5FA47D-866B-C14A-A228-20DDFE9AAAFA}" type="datetimeFigureOut">
               <a:rPr kumimoji="1" lang="zh-CN" altLang="en-US" smtClean="0"/>
-              <a:t>16/6/13</a:t>
+              <a:t>16/6/14</a:t>
             </a:fld>
             <a:endParaRPr kumimoji="1" lang="zh-CN" altLang="en-US"/>
           </a:p>
@@ -1494,7 +1494,7 @@
           <a:p>
             <a:fld id="{3A5FA47D-866B-C14A-A228-20DDFE9AAAFA}" type="datetimeFigureOut">
               <a:rPr kumimoji="1" lang="zh-CN" altLang="en-US" smtClean="0"/>
-              <a:t>16/6/13</a:t>
+              <a:t>16/6/14</a:t>
             </a:fld>
             <a:endParaRPr kumimoji="1" lang="zh-CN" altLang="en-US"/>
           </a:p>
@@ -1782,7 +1782,7 @@
           <a:p>
             <a:fld id="{3A5FA47D-866B-C14A-A228-20DDFE9AAAFA}" type="datetimeFigureOut">
               <a:rPr kumimoji="1" lang="zh-CN" altLang="en-US" smtClean="0"/>
-              <a:t>16/6/13</a:t>
+              <a:t>16/6/14</a:t>
             </a:fld>
             <a:endParaRPr kumimoji="1" lang="zh-CN" altLang="en-US"/>
           </a:p>
@@ -2204,7 +2204,7 @@
           <a:p>
             <a:fld id="{3A5FA47D-866B-C14A-A228-20DDFE9AAAFA}" type="datetimeFigureOut">
               <a:rPr kumimoji="1" lang="zh-CN" altLang="en-US" smtClean="0"/>
-              <a:t>16/6/13</a:t>
+              <a:t>16/6/14</a:t>
             </a:fld>
             <a:endParaRPr kumimoji="1" lang="zh-CN" altLang="en-US"/>
           </a:p>
@@ -2322,7 +2322,7 @@
           <a:p>
             <a:fld id="{3A5FA47D-866B-C14A-A228-20DDFE9AAAFA}" type="datetimeFigureOut">
               <a:rPr kumimoji="1" lang="zh-CN" altLang="en-US" smtClean="0"/>
-              <a:t>16/6/13</a:t>
+              <a:t>16/6/14</a:t>
             </a:fld>
             <a:endParaRPr kumimoji="1" lang="zh-CN" altLang="en-US"/>
           </a:p>
@@ -2417,7 +2417,7 @@
           <a:p>
             <a:fld id="{3A5FA47D-866B-C14A-A228-20DDFE9AAAFA}" type="datetimeFigureOut">
               <a:rPr kumimoji="1" lang="zh-CN" altLang="en-US" smtClean="0"/>
-              <a:t>16/6/13</a:t>
+              <a:t>16/6/14</a:t>
             </a:fld>
             <a:endParaRPr kumimoji="1" lang="zh-CN" altLang="en-US"/>
           </a:p>
@@ -2694,7 +2694,7 @@
           <a:p>
             <a:fld id="{3A5FA47D-866B-C14A-A228-20DDFE9AAAFA}" type="datetimeFigureOut">
               <a:rPr kumimoji="1" lang="zh-CN" altLang="en-US" smtClean="0"/>
-              <a:t>16/6/13</a:t>
+              <a:t>16/6/14</a:t>
             </a:fld>
             <a:endParaRPr kumimoji="1" lang="zh-CN" altLang="en-US"/>
           </a:p>
@@ -2947,7 +2947,7 @@
           <a:p>
             <a:fld id="{3A5FA47D-866B-C14A-A228-20DDFE9AAAFA}" type="datetimeFigureOut">
               <a:rPr kumimoji="1" lang="zh-CN" altLang="en-US" smtClean="0"/>
-              <a:t>16/6/13</a:t>
+              <a:t>16/6/14</a:t>
             </a:fld>
             <a:endParaRPr kumimoji="1" lang="zh-CN" altLang="en-US"/>
           </a:p>
@@ -3160,7 +3160,7 @@
           <a:p>
             <a:fld id="{3A5FA47D-866B-C14A-A228-20DDFE9AAAFA}" type="datetimeFigureOut">
               <a:rPr kumimoji="1" lang="zh-CN" altLang="en-US" smtClean="0"/>
-              <a:t>16/6/13</a:t>
+              <a:t>16/6/14</a:t>
             </a:fld>
             <a:endParaRPr kumimoji="1" lang="zh-CN" altLang="en-US"/>
           </a:p>
@@ -5460,7 +5460,7 @@
                 </a:solidFill>
                 <a:ea typeface="黑体" pitchFamily="49" charset="-122"/>
               </a:rPr>
-              <a:t>类测试、接口测试、功能测试</a:t>
+              <a:t>类方法测试、接口测试、功能测试</a:t>
             </a:r>
             <a:endParaRPr lang="en-US" altLang="zh-CN" sz="2500" dirty="0" smtClean="0">
               <a:solidFill>
@@ -7486,7 +7486,7 @@
         <p:spPr bwMode="auto">
           <a:xfrm>
             <a:off x="731763" y="1336934"/>
-            <a:ext cx="7996486" cy="5500074"/>
+            <a:ext cx="7996486" cy="5115354"/>
           </a:xfrm>
           <a:prstGeom prst="rect">
             <a:avLst/>
@@ -7616,17 +7616,7 @@
                 <a:ea typeface="黑体" pitchFamily="49" charset="-122"/>
                 <a:hlinkClick r:id="rId4"/>
               </a:rPr>
-              <a:t>http://note.youdao.com/share/?id=fd9af7bd3bf01b4e3fa27d2e5f053395&amp;type=</a:t>
-            </a:r>
-            <a:r>
-              <a:rPr lang="en-US" altLang="zh-CN" sz="2500" dirty="0" smtClean="0">
-                <a:solidFill>
-                  <a:srgbClr val="663300"/>
-                </a:solidFill>
-                <a:ea typeface="黑体" pitchFamily="49" charset="-122"/>
-                <a:hlinkClick r:id="rId4"/>
-              </a:rPr>
-              <a:t>note</a:t>
+              <a:t>http://note.youdao.com/share/?id=fd9af7bd3bf01b4e3fa27d2e5f053395&amp;type=note</a:t>
             </a:r>
             <a:endParaRPr lang="en-US" altLang="zh-CN" sz="2500" dirty="0">
               <a:solidFill>
@@ -7636,52 +7626,6 @@
             </a:endParaRPr>
           </a:p>
           <a:p>
-            <a:pPr marL="800100" lvl="1" indent="-342900">
-              <a:buFont typeface="Arial"/>
-              <a:buChar char="•"/>
-            </a:pPr>
-            <a:r>
-              <a:rPr lang="zh-CN" altLang="en-US" sz="2500" dirty="0" smtClean="0">
-                <a:solidFill>
-                  <a:srgbClr val="663300"/>
-                </a:solidFill>
-                <a:ea typeface="黑体" pitchFamily="49" charset="-122"/>
-              </a:rPr>
-              <a:t>本地仓库</a:t>
-            </a:r>
-            <a:r>
-              <a:rPr lang="en-US" altLang="zh-CN" sz="2500" dirty="0" smtClean="0">
-                <a:solidFill>
-                  <a:srgbClr val="663300"/>
-                </a:solidFill>
-                <a:ea typeface="黑体" pitchFamily="49" charset="-122"/>
-              </a:rPr>
-              <a:t> </a:t>
-            </a:r>
-            <a:r>
-              <a:rPr lang="en-US" altLang="zh-CN" sz="2500" dirty="0" smtClean="0">
-                <a:solidFill>
-                  <a:srgbClr val="663300"/>
-                </a:solidFill>
-                <a:ea typeface="黑体" pitchFamily="49" charset="-122"/>
-              </a:rPr>
-              <a:t>.m2</a:t>
-            </a:r>
-            <a:r>
-              <a:rPr lang="en-US" altLang="zh-CN" sz="2500" dirty="0" smtClean="0">
-                <a:solidFill>
-                  <a:srgbClr val="663300"/>
-                </a:solidFill>
-                <a:ea typeface="黑体" pitchFamily="49" charset="-122"/>
-              </a:rPr>
-              <a:t> </a:t>
-            </a:r>
-          </a:p>
-          <a:p>
-            <a:pPr marL="342900" indent="-342900">
-              <a:buFont typeface="Arial"/>
-              <a:buChar char="•"/>
-            </a:pPr>
             <a:endParaRPr lang="en-US" altLang="zh-CN" sz="2500" dirty="0" smtClean="0">
               <a:solidFill>
                 <a:srgbClr val="663300"/>

--- a/doc/maven_junit.pptx
+++ b/doc/maven_junit.pptx
@@ -5,7 +5,7 @@
     <p:sldMasterId id="2147483648" r:id="rId1"/>
   </p:sldMasterIdLst>
   <p:notesMasterIdLst>
-    <p:notesMasterId r:id="rId13"/>
+    <p:notesMasterId r:id="rId14"/>
   </p:notesMasterIdLst>
   <p:sldIdLst>
     <p:sldId id="257" r:id="rId2"/>
@@ -18,7 +18,8 @@
     <p:sldId id="264" r:id="rId9"/>
     <p:sldId id="265" r:id="rId10"/>
     <p:sldId id="266" r:id="rId11"/>
-    <p:sldId id="267" r:id="rId12"/>
+    <p:sldId id="268" r:id="rId12"/>
+    <p:sldId id="267" r:id="rId13"/>
   </p:sldIdLst>
   <p:sldSz cx="9144000" cy="6858000" type="screen4x3"/>
   <p:notesSz cx="6858000" cy="9144000"/>
@@ -4302,6 +4303,630 @@
 </file>
 
 <file path=ppt/slides/slide11.xml><?xml version="1.0" encoding="utf-8"?>
+<p:sld xmlns:a="http://schemas.openxmlformats.org/drawingml/2006/main" xmlns:r="http://schemas.openxmlformats.org/officeDocument/2006/relationships" xmlns:p="http://schemas.openxmlformats.org/presentationml/2006/main">
+  <p:cSld>
+    <p:spTree>
+      <p:nvGrpSpPr>
+        <p:cNvPr id="1" name=""/>
+        <p:cNvGrpSpPr/>
+        <p:nvPr/>
+      </p:nvGrpSpPr>
+      <p:grpSpPr>
+        <a:xfrm>
+          <a:off x="0" y="0"/>
+          <a:ext cx="0" cy="0"/>
+          <a:chOff x="0" y="0"/>
+          <a:chExt cx="0" cy="0"/>
+        </a:xfrm>
+      </p:grpSpPr>
+      <p:pic>
+        <p:nvPicPr>
+          <p:cNvPr id="7170" name="Picture 2" descr="新浪PPT深"/>
+          <p:cNvPicPr>
+            <a:picLocks noChangeAspect="1" noChangeArrowheads="1"/>
+          </p:cNvPicPr>
+          <p:nvPr/>
+        </p:nvPicPr>
+        <p:blipFill>
+          <a:blip r:embed="rId2" cstate="print"/>
+          <a:srcRect/>
+          <a:stretch>
+            <a:fillRect/>
+          </a:stretch>
+        </p:blipFill>
+        <p:spPr bwMode="auto">
+          <a:xfrm>
+            <a:off x="0" y="-1888"/>
+            <a:ext cx="9144000" cy="6859889"/>
+          </a:xfrm>
+          <a:prstGeom prst="rect">
+            <a:avLst/>
+          </a:prstGeom>
+          <a:noFill/>
+          <a:ln w="9525">
+            <a:noFill/>
+            <a:miter lim="800000"/>
+            <a:headEnd/>
+            <a:tailEnd/>
+          </a:ln>
+        </p:spPr>
+      </p:pic>
+      <p:pic>
+        <p:nvPicPr>
+          <p:cNvPr id="7171" name="Picture 3" descr="mkh_icon_pack_034"/>
+          <p:cNvPicPr>
+            <a:picLocks noChangeAspect="1" noChangeArrowheads="1"/>
+          </p:cNvPicPr>
+          <p:nvPr/>
+        </p:nvPicPr>
+        <p:blipFill>
+          <a:blip r:embed="rId3" cstate="print"/>
+          <a:srcRect/>
+          <a:stretch>
+            <a:fillRect/>
+          </a:stretch>
+        </p:blipFill>
+        <p:spPr bwMode="auto">
+          <a:xfrm>
+            <a:off x="731763" y="257010"/>
+            <a:ext cx="915206" cy="857959"/>
+          </a:xfrm>
+          <a:prstGeom prst="rect">
+            <a:avLst/>
+          </a:prstGeom>
+          <a:noFill/>
+          <a:ln w="9525">
+            <a:noFill/>
+            <a:miter lim="800000"/>
+            <a:headEnd/>
+            <a:tailEnd/>
+          </a:ln>
+        </p:spPr>
+      </p:pic>
+      <p:sp>
+        <p:nvSpPr>
+          <p:cNvPr id="15" name="Text Box 3"/>
+          <p:cNvSpPr txBox="1">
+            <a:spLocks noChangeArrowheads="1"/>
+          </p:cNvSpPr>
+          <p:nvPr/>
+        </p:nvSpPr>
+        <p:spPr bwMode="auto">
+          <a:xfrm>
+            <a:off x="731763" y="1336934"/>
+            <a:ext cx="7996486" cy="4730633"/>
+          </a:xfrm>
+          <a:prstGeom prst="rect">
+            <a:avLst/>
+          </a:prstGeom>
+          <a:noFill/>
+          <a:ln w="9525">
+            <a:noFill/>
+            <a:miter lim="800000"/>
+            <a:headEnd/>
+            <a:tailEnd/>
+          </a:ln>
+        </p:spPr>
+        <p:txBody>
+          <a:bodyPr wrap="square" lIns="112883" tIns="56441" rIns="112883" bIns="56441">
+            <a:spAutoFit/>
+          </a:bodyPr>
+          <a:lstStyle/>
+          <a:p>
+            <a:pPr marL="342900" indent="-342900">
+              <a:buFont typeface="Arial"/>
+              <a:buChar char="•"/>
+            </a:pPr>
+            <a:r>
+              <a:rPr lang="zh-CN" altLang="en-US" sz="2500" dirty="0" smtClean="0">
+                <a:solidFill>
+                  <a:srgbClr val="663300"/>
+                </a:solidFill>
+                <a:ea typeface="黑体" pitchFamily="49" charset="-122"/>
+              </a:rPr>
+              <a:t>命令</a:t>
+            </a:r>
+            <a:endParaRPr lang="en-US" altLang="zh-CN" sz="2500" dirty="0" smtClean="0">
+              <a:solidFill>
+                <a:srgbClr val="663300"/>
+              </a:solidFill>
+              <a:ea typeface="黑体" pitchFamily="49" charset="-122"/>
+            </a:endParaRPr>
+          </a:p>
+          <a:p>
+            <a:pPr marL="800100" lvl="1" indent="-342900">
+              <a:buFont typeface="Arial"/>
+              <a:buChar char="•"/>
+            </a:pPr>
+            <a:r>
+              <a:rPr lang="en-US" altLang="zh-CN" sz="2500" dirty="0" err="1" smtClean="0">
+                <a:solidFill>
+                  <a:srgbClr val="663300"/>
+                </a:solidFill>
+                <a:ea typeface="黑体" pitchFamily="49" charset="-122"/>
+              </a:rPr>
+              <a:t>m</a:t>
+            </a:r>
+            <a:r>
+              <a:rPr lang="en-US" altLang="zh-CN" sz="2500" dirty="0" err="1" smtClean="0">
+                <a:solidFill>
+                  <a:srgbClr val="663300"/>
+                </a:solidFill>
+                <a:ea typeface="黑体" pitchFamily="49" charset="-122"/>
+              </a:rPr>
+              <a:t>vn</a:t>
+            </a:r>
+            <a:r>
+              <a:rPr lang="en-US" altLang="zh-CN" sz="2500" dirty="0" smtClean="0">
+                <a:solidFill>
+                  <a:srgbClr val="663300"/>
+                </a:solidFill>
+                <a:ea typeface="黑体" pitchFamily="49" charset="-122"/>
+              </a:rPr>
+              <a:t> </a:t>
+            </a:r>
+            <a:r>
+              <a:rPr lang="en-US" altLang="zh-CN" sz="2500" dirty="0" err="1" smtClean="0">
+                <a:solidFill>
+                  <a:srgbClr val="663300"/>
+                </a:solidFill>
+                <a:ea typeface="黑体" pitchFamily="49" charset="-122"/>
+              </a:rPr>
+              <a:t>comiple</a:t>
+            </a:r>
+            <a:r>
+              <a:rPr lang="en-US" altLang="zh-CN" sz="2500" dirty="0" smtClean="0">
+                <a:solidFill>
+                  <a:srgbClr val="663300"/>
+                </a:solidFill>
+                <a:ea typeface="黑体" pitchFamily="49" charset="-122"/>
+              </a:rPr>
+              <a:t> </a:t>
+            </a:r>
+            <a:r>
+              <a:rPr lang="en-US" altLang="zh-CN" sz="2500" dirty="0" err="1" smtClean="0">
+                <a:solidFill>
+                  <a:srgbClr val="663300"/>
+                </a:solidFill>
+                <a:ea typeface="黑体" pitchFamily="49" charset="-122"/>
+              </a:rPr>
+              <a:t>findbugs:findbugs</a:t>
+            </a:r>
+            <a:r>
+              <a:rPr lang="en-US" altLang="zh-CN" sz="2500" dirty="0" smtClean="0">
+                <a:solidFill>
+                  <a:srgbClr val="663300"/>
+                </a:solidFill>
+                <a:ea typeface="黑体" pitchFamily="49" charset="-122"/>
+              </a:rPr>
+              <a:t>	</a:t>
+            </a:r>
+            <a:endParaRPr lang="en-US" altLang="zh-CN" sz="2500" dirty="0" smtClean="0">
+              <a:solidFill>
+                <a:srgbClr val="663300"/>
+              </a:solidFill>
+              <a:ea typeface="黑体" pitchFamily="49" charset="-122"/>
+            </a:endParaRPr>
+          </a:p>
+          <a:p>
+            <a:pPr marL="1257300" lvl="2" indent="-342900">
+              <a:buFont typeface="Arial"/>
+              <a:buChar char="•"/>
+            </a:pPr>
+            <a:r>
+              <a:rPr lang="zh-CN" altLang="en-US" sz="2500" dirty="0" smtClean="0">
+                <a:solidFill>
+                  <a:srgbClr val="663300"/>
+                </a:solidFill>
+                <a:ea typeface="黑体" pitchFamily="49" charset="-122"/>
+              </a:rPr>
+              <a:t>执行</a:t>
+            </a:r>
+            <a:r>
+              <a:rPr lang="en-US" altLang="zh-CN" sz="2500" dirty="0" err="1" smtClean="0">
+                <a:solidFill>
+                  <a:srgbClr val="663300"/>
+                </a:solidFill>
+                <a:ea typeface="黑体" pitchFamily="49" charset="-122"/>
+              </a:rPr>
+              <a:t>findbugs</a:t>
+            </a:r>
+            <a:r>
+              <a:rPr lang="zh-CN" altLang="en-US" sz="2500" dirty="0" smtClean="0">
+                <a:solidFill>
+                  <a:srgbClr val="663300"/>
+                </a:solidFill>
+                <a:ea typeface="黑体" pitchFamily="49" charset="-122"/>
+              </a:rPr>
+              <a:t>，生成</a:t>
+            </a:r>
+            <a:r>
+              <a:rPr lang="en-US" altLang="zh-CN" sz="2500" dirty="0" smtClean="0">
+                <a:solidFill>
+                  <a:srgbClr val="663300"/>
+                </a:solidFill>
+                <a:ea typeface="黑体" pitchFamily="49" charset="-122"/>
+              </a:rPr>
+              <a:t>xml</a:t>
+            </a:r>
+            <a:r>
+              <a:rPr lang="zh-CN" altLang="en-US" sz="2500" dirty="0" smtClean="0">
+                <a:solidFill>
+                  <a:srgbClr val="663300"/>
+                </a:solidFill>
+                <a:ea typeface="黑体" pitchFamily="49" charset="-122"/>
+              </a:rPr>
+              <a:t>结果文件</a:t>
+            </a:r>
+            <a:endParaRPr lang="en-US" altLang="zh-CN" sz="2500" dirty="0" smtClean="0">
+              <a:solidFill>
+                <a:srgbClr val="663300"/>
+              </a:solidFill>
+              <a:ea typeface="黑体" pitchFamily="49" charset="-122"/>
+            </a:endParaRPr>
+          </a:p>
+          <a:p>
+            <a:pPr lvl="2"/>
+            <a:endParaRPr lang="en-US" altLang="zh-CN" sz="2500" dirty="0">
+              <a:solidFill>
+                <a:srgbClr val="663300"/>
+              </a:solidFill>
+              <a:ea typeface="黑体" pitchFamily="49" charset="-122"/>
+            </a:endParaRPr>
+          </a:p>
+          <a:p>
+            <a:pPr marL="800100" lvl="1" indent="-342900">
+              <a:buFont typeface="Arial"/>
+              <a:buChar char="•"/>
+            </a:pPr>
+            <a:r>
+              <a:rPr lang="en-US" altLang="zh-CN" sz="2500" dirty="0" err="1">
+                <a:solidFill>
+                  <a:srgbClr val="663300"/>
+                </a:solidFill>
+                <a:ea typeface="黑体" pitchFamily="49" charset="-122"/>
+              </a:rPr>
+              <a:t>m</a:t>
+            </a:r>
+            <a:r>
+              <a:rPr lang="en-US" altLang="zh-CN" sz="2500" dirty="0" err="1" smtClean="0">
+                <a:solidFill>
+                  <a:srgbClr val="663300"/>
+                </a:solidFill>
+                <a:ea typeface="黑体" pitchFamily="49" charset="-122"/>
+              </a:rPr>
+              <a:t>vn</a:t>
+            </a:r>
+            <a:r>
+              <a:rPr lang="en-US" altLang="zh-CN" sz="2500" dirty="0" smtClean="0">
+                <a:solidFill>
+                  <a:srgbClr val="663300"/>
+                </a:solidFill>
+                <a:ea typeface="黑体" pitchFamily="49" charset="-122"/>
+              </a:rPr>
+              <a:t> compile </a:t>
+            </a:r>
+            <a:r>
+              <a:rPr lang="en-US" altLang="zh-CN" sz="2500" dirty="0" err="1" smtClean="0">
+                <a:solidFill>
+                  <a:srgbClr val="663300"/>
+                </a:solidFill>
+                <a:ea typeface="黑体" pitchFamily="49" charset="-122"/>
+              </a:rPr>
+              <a:t>findbugs:gui</a:t>
+            </a:r>
+            <a:endParaRPr lang="en-US" altLang="zh-CN" sz="2500" dirty="0" smtClean="0">
+              <a:solidFill>
+                <a:srgbClr val="663300"/>
+              </a:solidFill>
+              <a:ea typeface="黑体" pitchFamily="49" charset="-122"/>
+            </a:endParaRPr>
+          </a:p>
+          <a:p>
+            <a:pPr marL="1257300" lvl="2" indent="-342900">
+              <a:buFont typeface="Arial"/>
+              <a:buChar char="•"/>
+            </a:pPr>
+            <a:r>
+              <a:rPr lang="zh-CN" altLang="en-US" sz="2500" dirty="0" smtClean="0">
+                <a:solidFill>
+                  <a:srgbClr val="663300"/>
+                </a:solidFill>
+                <a:ea typeface="黑体" pitchFamily="49" charset="-122"/>
+              </a:rPr>
+              <a:t>执行</a:t>
+            </a:r>
+            <a:r>
+              <a:rPr lang="en-US" altLang="zh-CN" sz="2500" dirty="0" err="1" smtClean="0">
+                <a:solidFill>
+                  <a:srgbClr val="663300"/>
+                </a:solidFill>
+                <a:ea typeface="黑体" pitchFamily="49" charset="-122"/>
+              </a:rPr>
+              <a:t>findbugs</a:t>
+            </a:r>
+            <a:r>
+              <a:rPr lang="zh-CN" altLang="en-US" sz="2500" dirty="0" smtClean="0">
+                <a:solidFill>
+                  <a:srgbClr val="663300"/>
+                </a:solidFill>
+                <a:ea typeface="黑体" pitchFamily="49" charset="-122"/>
+              </a:rPr>
+              <a:t>，以图形界面</a:t>
+            </a:r>
+            <a:r>
+              <a:rPr lang="zh-CN" altLang="en-US" sz="2500" dirty="0" smtClean="0">
+                <a:solidFill>
+                  <a:srgbClr val="663300"/>
+                </a:solidFill>
+                <a:ea typeface="黑体" pitchFamily="49" charset="-122"/>
+              </a:rPr>
+              <a:t>显示</a:t>
+            </a:r>
+            <a:r>
+              <a:rPr lang="zh-CN" altLang="en-US" sz="2500" dirty="0" smtClean="0">
+                <a:solidFill>
+                  <a:srgbClr val="663300"/>
+                </a:solidFill>
+                <a:ea typeface="黑体" pitchFamily="49" charset="-122"/>
+              </a:rPr>
+              <a:t>结果</a:t>
+            </a:r>
+            <a:endParaRPr lang="en-US" altLang="zh-CN" sz="2500" dirty="0" smtClean="0">
+              <a:solidFill>
+                <a:srgbClr val="663300"/>
+              </a:solidFill>
+              <a:ea typeface="黑体" pitchFamily="49" charset="-122"/>
+            </a:endParaRPr>
+          </a:p>
+          <a:p>
+            <a:pPr lvl="2"/>
+            <a:endParaRPr lang="en-US" altLang="zh-CN" sz="2500" dirty="0">
+              <a:solidFill>
+                <a:srgbClr val="663300"/>
+              </a:solidFill>
+              <a:ea typeface="黑体" pitchFamily="49" charset="-122"/>
+            </a:endParaRPr>
+          </a:p>
+          <a:p>
+            <a:pPr marL="800100" lvl="1" indent="-342900">
+              <a:buFont typeface="Arial"/>
+              <a:buChar char="•"/>
+            </a:pPr>
+            <a:r>
+              <a:rPr lang="en-US" altLang="zh-CN" sz="2500" dirty="0" err="1">
+                <a:solidFill>
+                  <a:srgbClr val="663300"/>
+                </a:solidFill>
+                <a:ea typeface="黑体" pitchFamily="49" charset="-122"/>
+              </a:rPr>
+              <a:t>m</a:t>
+            </a:r>
+            <a:r>
+              <a:rPr lang="en-US" altLang="zh-CN" sz="2500" dirty="0" err="1" smtClean="0">
+                <a:solidFill>
+                  <a:srgbClr val="663300"/>
+                </a:solidFill>
+                <a:ea typeface="黑体" pitchFamily="49" charset="-122"/>
+              </a:rPr>
+              <a:t>vn</a:t>
+            </a:r>
+            <a:r>
+              <a:rPr lang="en-US" altLang="zh-CN" sz="2500" dirty="0" smtClean="0">
+                <a:solidFill>
+                  <a:srgbClr val="663300"/>
+                </a:solidFill>
+                <a:ea typeface="黑体" pitchFamily="49" charset="-122"/>
+              </a:rPr>
+              <a:t> site</a:t>
+            </a:r>
+          </a:p>
+          <a:p>
+            <a:pPr marL="1257300" lvl="2" indent="-342900">
+              <a:buFont typeface="Arial"/>
+              <a:buChar char="•"/>
+            </a:pPr>
+            <a:r>
+              <a:rPr lang="zh-CN" altLang="en-US" sz="2500" dirty="0" smtClean="0">
+                <a:solidFill>
+                  <a:srgbClr val="663300"/>
+                </a:solidFill>
+                <a:ea typeface="黑体" pitchFamily="49" charset="-122"/>
+              </a:rPr>
+              <a:t>生成</a:t>
+            </a:r>
+            <a:r>
+              <a:rPr lang="en-US" altLang="zh-CN" sz="2500" dirty="0" err="1" smtClean="0">
+                <a:solidFill>
+                  <a:srgbClr val="663300"/>
+                </a:solidFill>
+                <a:ea typeface="黑体" pitchFamily="49" charset="-122"/>
+              </a:rPr>
+              <a:t>checkstyle</a:t>
+            </a:r>
+            <a:r>
+              <a:rPr lang="zh-CN" altLang="zh-CN" sz="2500" dirty="0" smtClean="0">
+                <a:solidFill>
+                  <a:srgbClr val="663300"/>
+                </a:solidFill>
+                <a:ea typeface="黑体" pitchFamily="49" charset="-122"/>
+              </a:rPr>
+              <a:t>、</a:t>
+            </a:r>
+            <a:r>
+              <a:rPr lang="en-US" altLang="zh-CN" sz="2500" dirty="0" err="1" smtClean="0">
+                <a:solidFill>
+                  <a:srgbClr val="663300"/>
+                </a:solidFill>
+                <a:ea typeface="黑体" pitchFamily="49" charset="-122"/>
+              </a:rPr>
+              <a:t>pmd</a:t>
+            </a:r>
+            <a:r>
+              <a:rPr lang="zh-CN" altLang="en-US" sz="2500" dirty="0" smtClean="0">
+                <a:solidFill>
+                  <a:srgbClr val="663300"/>
+                </a:solidFill>
+                <a:ea typeface="黑体" pitchFamily="49" charset="-122"/>
+              </a:rPr>
+              <a:t>结果</a:t>
+            </a:r>
+            <a:endParaRPr lang="en-US" altLang="zh-CN" sz="2500" dirty="0" smtClean="0">
+              <a:solidFill>
+                <a:srgbClr val="663300"/>
+              </a:solidFill>
+              <a:ea typeface="黑体" pitchFamily="49" charset="-122"/>
+            </a:endParaRPr>
+          </a:p>
+          <a:p>
+            <a:pPr lvl="2"/>
+            <a:endParaRPr lang="en-US" altLang="zh-CN" sz="2500" dirty="0" smtClean="0">
+              <a:solidFill>
+                <a:srgbClr val="663300"/>
+              </a:solidFill>
+              <a:ea typeface="黑体" pitchFamily="49" charset="-122"/>
+            </a:endParaRPr>
+          </a:p>
+          <a:p>
+            <a:pPr marL="800100" lvl="1" indent="-342900">
+              <a:buFont typeface="Arial"/>
+              <a:buChar char="•"/>
+            </a:pPr>
+            <a:r>
+              <a:rPr lang="en-US" altLang="zh-CN" sz="2500" dirty="0" err="1">
+                <a:solidFill>
+                  <a:srgbClr val="663300"/>
+                </a:solidFill>
+                <a:ea typeface="黑体" pitchFamily="49" charset="-122"/>
+              </a:rPr>
+              <a:t>m</a:t>
+            </a:r>
+            <a:r>
+              <a:rPr lang="en-US" altLang="zh-CN" sz="2500" dirty="0" err="1" smtClean="0">
+                <a:solidFill>
+                  <a:srgbClr val="663300"/>
+                </a:solidFill>
+                <a:ea typeface="黑体" pitchFamily="49" charset="-122"/>
+              </a:rPr>
+              <a:t>vn</a:t>
+            </a:r>
+            <a:r>
+              <a:rPr lang="en-US" altLang="zh-CN" sz="2500" dirty="0" smtClean="0">
+                <a:solidFill>
+                  <a:srgbClr val="663300"/>
+                </a:solidFill>
+                <a:ea typeface="黑体" pitchFamily="49" charset="-122"/>
+              </a:rPr>
+              <a:t> </a:t>
+            </a:r>
+            <a:r>
+              <a:rPr lang="en-US" altLang="zh-CN" sz="2500" dirty="0" err="1" smtClean="0">
+                <a:solidFill>
+                  <a:srgbClr val="663300"/>
+                </a:solidFill>
+                <a:ea typeface="黑体" pitchFamily="49" charset="-122"/>
+              </a:rPr>
+              <a:t>cobertura:cobertura</a:t>
+            </a:r>
+            <a:endParaRPr lang="en-US" altLang="zh-CN" sz="2500" dirty="0" smtClean="0">
+              <a:solidFill>
+                <a:srgbClr val="663300"/>
+              </a:solidFill>
+              <a:ea typeface="黑体" pitchFamily="49" charset="-122"/>
+            </a:endParaRPr>
+          </a:p>
+          <a:p>
+            <a:pPr marL="1257300" lvl="2" indent="-342900">
+              <a:buFont typeface="Arial"/>
+              <a:buChar char="•"/>
+            </a:pPr>
+            <a:r>
+              <a:rPr lang="zh-CN" altLang="en-US" sz="2500" dirty="0" smtClean="0">
+                <a:solidFill>
+                  <a:srgbClr val="663300"/>
+                </a:solidFill>
+                <a:ea typeface="黑体" pitchFamily="49" charset="-122"/>
+              </a:rPr>
+              <a:t>代码覆盖率检查</a:t>
+            </a:r>
+            <a:endParaRPr lang="en-US" altLang="zh-CN" sz="2500" dirty="0" smtClean="0">
+              <a:solidFill>
+                <a:srgbClr val="663300"/>
+              </a:solidFill>
+              <a:ea typeface="黑体" pitchFamily="49" charset="-122"/>
+            </a:endParaRPr>
+          </a:p>
+        </p:txBody>
+      </p:sp>
+      <p:sp>
+        <p:nvSpPr>
+          <p:cNvPr id="16" name="Text Box 3"/>
+          <p:cNvSpPr txBox="1">
+            <a:spLocks noChangeArrowheads="1"/>
+          </p:cNvSpPr>
+          <p:nvPr/>
+        </p:nvSpPr>
+        <p:spPr bwMode="auto">
+          <a:xfrm>
+            <a:off x="1737683" y="343939"/>
+            <a:ext cx="6553629" cy="852648"/>
+          </a:xfrm>
+          <a:prstGeom prst="rect">
+            <a:avLst/>
+          </a:prstGeom>
+          <a:noFill/>
+          <a:ln w="9525">
+            <a:noFill/>
+            <a:miter lim="800000"/>
+            <a:headEnd/>
+            <a:tailEnd/>
+          </a:ln>
+        </p:spPr>
+        <p:txBody>
+          <a:bodyPr wrap="square" lIns="112883" tIns="56441" rIns="112883" bIns="56441">
+            <a:spAutoFit/>
+          </a:bodyPr>
+          <a:lstStyle/>
+          <a:p>
+            <a:r>
+              <a:rPr lang="en-US" altLang="zh-CN" sz="4800" b="1" dirty="0" smtClean="0">
+                <a:solidFill>
+                  <a:srgbClr val="663300"/>
+                </a:solidFill>
+                <a:ea typeface="黑体" pitchFamily="49" charset="-122"/>
+              </a:rPr>
+              <a:t>Maven</a:t>
+            </a:r>
+            <a:endParaRPr lang="zh-CN" altLang="en-US" sz="4800" b="1" dirty="0">
+              <a:solidFill>
+                <a:srgbClr val="663300"/>
+              </a:solidFill>
+              <a:ea typeface="黑体" pitchFamily="49" charset="-122"/>
+            </a:endParaRPr>
+          </a:p>
+        </p:txBody>
+      </p:sp>
+    </p:spTree>
+    <p:extLst>
+      <p:ext uri="{BB962C8B-B14F-4D97-AF65-F5344CB8AC3E}">
+        <p14:creationId xmlns:p14="http://schemas.microsoft.com/office/powerpoint/2010/main" val="1123742226"/>
+      </p:ext>
+    </p:extLst>
+  </p:cSld>
+  <p:clrMapOvr>
+    <a:masterClrMapping/>
+  </p:clrMapOvr>
+  <p:timing>
+    <p:tnLst>
+      <p:par>
+        <p:cTn xmlns:p14="http://schemas.microsoft.com/office/powerpoint/2010/main" id="1" dur="indefinite" restart="never" nodeType="tmRoot"/>
+      </p:par>
+    </p:tnLst>
+  </p:timing>
+</p:sld>
+</file>
+
+<file path=ppt/slides/slide12.xml><?xml version="1.0" encoding="utf-8"?>
 <p:sld xmlns:a="http://schemas.openxmlformats.org/drawingml/2006/main" xmlns:r="http://schemas.openxmlformats.org/officeDocument/2006/relationships" xmlns:p="http://schemas.openxmlformats.org/presentationml/2006/main">
   <p:cSld>
     <p:spTree>
